--- a/Semana 6.pptx
+++ b/Semana 6.pptx
@@ -308,7 +308,7 @@
           <a:p>
             <a:fld id="{2BD09FA6-5415-4E41-8EC0-843F16C90881}" type="datetimeFigureOut">
               <a:rPr lang="en-US" smtClean="0"/>
-              <a:t>2/21/2018</a:t>
+              <a:t>2/25/2018</a:t>
             </a:fld>
             <a:endParaRPr lang="en-US"/>
           </a:p>
@@ -508,7 +508,7 @@
           <a:p>
             <a:fld id="{2BD09FA6-5415-4E41-8EC0-843F16C90881}" type="datetimeFigureOut">
               <a:rPr lang="en-US" smtClean="0"/>
-              <a:t>2/21/2018</a:t>
+              <a:t>2/25/2018</a:t>
             </a:fld>
             <a:endParaRPr lang="en-US"/>
           </a:p>
@@ -683,7 +683,7 @@
           <a:p>
             <a:fld id="{2BD09FA6-5415-4E41-8EC0-843F16C90881}" type="datetimeFigureOut">
               <a:rPr lang="en-US" smtClean="0"/>
-              <a:t>2/21/2018</a:t>
+              <a:t>2/25/2018</a:t>
             </a:fld>
             <a:endParaRPr lang="en-US"/>
           </a:p>
@@ -848,7 +848,7 @@
           <a:p>
             <a:fld id="{2BD09FA6-5415-4E41-8EC0-843F16C90881}" type="datetimeFigureOut">
               <a:rPr lang="en-US" smtClean="0"/>
-              <a:t>2/21/2018</a:t>
+              <a:t>2/25/2018</a:t>
             </a:fld>
             <a:endParaRPr lang="en-US"/>
           </a:p>
@@ -1096,7 +1096,7 @@
           <a:p>
             <a:fld id="{2BD09FA6-5415-4E41-8EC0-843F16C90881}" type="datetimeFigureOut">
               <a:rPr lang="en-US" smtClean="0"/>
-              <a:t>2/21/2018</a:t>
+              <a:t>2/25/2018</a:t>
             </a:fld>
             <a:endParaRPr lang="en-US"/>
           </a:p>
@@ -1414,7 +1414,7 @@
           <a:p>
             <a:fld id="{2BD09FA6-5415-4E41-8EC0-843F16C90881}" type="datetimeFigureOut">
               <a:rPr lang="en-US" smtClean="0"/>
-              <a:t>2/21/2018</a:t>
+              <a:t>2/25/2018</a:t>
             </a:fld>
             <a:endParaRPr lang="en-US"/>
           </a:p>
@@ -1880,7 +1880,7 @@
           <a:p>
             <a:fld id="{2BD09FA6-5415-4E41-8EC0-843F16C90881}" type="datetimeFigureOut">
               <a:rPr lang="en-US" smtClean="0"/>
-              <a:t>2/21/2018</a:t>
+              <a:t>2/25/2018</a:t>
             </a:fld>
             <a:endParaRPr lang="en-US"/>
           </a:p>
@@ -2028,7 +2028,7 @@
           <a:p>
             <a:fld id="{2BD09FA6-5415-4E41-8EC0-843F16C90881}" type="datetimeFigureOut">
               <a:rPr lang="en-US" smtClean="0"/>
-              <a:t>2/21/2018</a:t>
+              <a:t>2/25/2018</a:t>
             </a:fld>
             <a:endParaRPr lang="en-US"/>
           </a:p>
@@ -2118,7 +2118,7 @@
           <a:p>
             <a:fld id="{2BD09FA6-5415-4E41-8EC0-843F16C90881}" type="datetimeFigureOut">
               <a:rPr lang="en-US" smtClean="0"/>
-              <a:t>2/21/2018</a:t>
+              <a:t>2/25/2018</a:t>
             </a:fld>
             <a:endParaRPr lang="en-US"/>
           </a:p>
@@ -2392,7 +2392,7 @@
           <a:p>
             <a:fld id="{2BD09FA6-5415-4E41-8EC0-843F16C90881}" type="datetimeFigureOut">
               <a:rPr lang="en-US" smtClean="0"/>
-              <a:t>2/21/2018</a:t>
+              <a:t>2/25/2018</a:t>
             </a:fld>
             <a:endParaRPr lang="en-US"/>
           </a:p>
@@ -2697,7 +2697,7 @@
           <a:p>
             <a:fld id="{2BD09FA6-5415-4E41-8EC0-843F16C90881}" type="datetimeFigureOut">
               <a:rPr lang="en-US" smtClean="0"/>
-              <a:t>2/21/2018</a:t>
+              <a:t>2/25/2018</a:t>
             </a:fld>
             <a:endParaRPr lang="en-US"/>
           </a:p>
@@ -2995,7 +2995,7 @@
           <a:p>
             <a:fld id="{2BD09FA6-5415-4E41-8EC0-843F16C90881}" type="datetimeFigureOut">
               <a:rPr lang="en-US" smtClean="0"/>
-              <a:t>2/21/2018</a:t>
+              <a:t>2/25/2018</a:t>
             </a:fld>
             <a:endParaRPr lang="en-US"/>
           </a:p>
@@ -3412,13 +3412,14 @@
               <a:t>Semana</a:t>
             </a:r>
             <a:r>
-              <a:rPr lang="en-US" dirty="0" smtClean="0"/>
-              <a:t> </a:t>
-            </a:r>
-            <a:r>
-              <a:rPr lang="en-US" dirty="0"/>
-              <a:t>3</a:t>
-            </a:r>
+              <a:rPr lang="en-US" smtClean="0"/>
+              <a:t> </a:t>
+            </a:r>
+            <a:r>
+              <a:rPr lang="en-US" dirty="0"/>
+              <a:t>6</a:t>
+            </a:r>
+            <a:endParaRPr lang="en-US" dirty="0"/>
           </a:p>
         </p:txBody>
       </p:sp>
@@ -5436,11 +5437,7 @@
             </a:r>
             <a:r>
               <a:rPr lang="en-US" dirty="0" smtClean="0"/>
-              <a:t> </a:t>
-            </a:r>
-            <a:r>
-              <a:rPr lang="en-US" dirty="0" smtClean="0"/>
-              <a:t>del </a:t>
+              <a:t> del </a:t>
             </a:r>
             <a:r>
               <a:rPr lang="en-US" dirty="0" err="1" smtClean="0"/>
@@ -6714,11 +6711,7 @@
             </a:r>
             <a:r>
               <a:rPr lang="en-US" dirty="0" smtClean="0"/>
-              <a:t> </a:t>
-            </a:r>
-            <a:r>
-              <a:rPr lang="en-US" dirty="0" smtClean="0"/>
-              <a:t>If, if else</a:t>
+              <a:t> If, if else</a:t>
             </a:r>
             <a:endParaRPr lang="en-US" dirty="0"/>
           </a:p>
@@ -6866,11 +6859,7 @@
             <a:pPr lvl="1"/>
             <a:r>
               <a:rPr lang="en-US" dirty="0" smtClean="0"/>
-              <a:t>Fin </a:t>
-            </a:r>
-            <a:r>
-              <a:rPr lang="en-US" dirty="0" smtClean="0"/>
-              <a:t>Si</a:t>
+              <a:t>Fin Si</a:t>
             </a:r>
           </a:p>
           <a:p>
